--- a/Agile Business Analysis/06-Iteration Level Analysis.pptx
+++ b/Agile Business Analysis/06-Iteration Level Analysis.pptx
@@ -273,6 +273,34 @@
           </p14:sldIdLst>
         </p14:section>
       </p14:sectionLst>
+    </p:ext>
+    <p:ext uri="{EFAFB233-063F-42B5-8137-9DF3F51BA10A}">
+      <p15:sldGuideLst xmlns:p15="http://schemas.microsoft.com/office/powerpoint/2012/main">
+        <p15:guide id="1" orient="horz" pos="2160">
+          <p15:clr>
+            <a:srgbClr val="A4A3A4"/>
+          </p15:clr>
+        </p15:guide>
+        <p15:guide id="2" pos="2880">
+          <p15:clr>
+            <a:srgbClr val="A4A3A4"/>
+          </p15:clr>
+        </p15:guide>
+      </p15:sldGuideLst>
+    </p:ext>
+    <p:ext uri="{2D200454-40CA-4A62-9FC3-DE9A4176ACB9}">
+      <p15:notesGuideLst xmlns:p15="http://schemas.microsoft.com/office/powerpoint/2012/main">
+        <p15:guide id="1" orient="horz" pos="2921">
+          <p15:clr>
+            <a:srgbClr val="A4A3A4"/>
+          </p15:clr>
+        </p15:guide>
+        <p15:guide id="2" pos="2200">
+          <p15:clr>
+            <a:srgbClr val="A4A3A4"/>
+          </p15:clr>
+        </p15:guide>
+      </p15:notesGuideLst>
     </p:ext>
   </p:extLst>
 </p:presentation>
@@ -689,20 +717,21 @@
           <c:showBubbleSize val="0"/>
         </c:dLbls>
         <c:gapWidth val="150"/>
-        <c:axId val="-2027423320"/>
-        <c:axId val="-2026841160"/>
+        <c:axId val="-2130848288"/>
+        <c:axId val="-2130845152"/>
       </c:barChart>
       <c:catAx>
-        <c:axId val="-2027423320"/>
+        <c:axId val="-2130848288"/>
         <c:scaling>
           <c:orientation val="minMax"/>
         </c:scaling>
         <c:delete val="0"/>
         <c:axPos val="b"/>
+        <c:numFmt formatCode="General" sourceLinked="0"/>
         <c:majorTickMark val="none"/>
         <c:minorTickMark val="none"/>
         <c:tickLblPos val="nextTo"/>
-        <c:crossAx val="-2026841160"/>
+        <c:crossAx val="-2130845152"/>
         <c:crosses val="autoZero"/>
         <c:auto val="1"/>
         <c:lblAlgn val="ctr"/>
@@ -710,7 +739,7 @@
         <c:noMultiLvlLbl val="0"/>
       </c:catAx>
       <c:valAx>
-        <c:axId val="-2026841160"/>
+        <c:axId val="-2130845152"/>
         <c:scaling>
           <c:orientation val="minMax"/>
         </c:scaling>
@@ -721,7 +750,7 @@
         <c:majorTickMark val="none"/>
         <c:minorTickMark val="none"/>
         <c:tickLblPos val="nextTo"/>
-        <c:crossAx val="-2027423320"/>
+        <c:crossAx val="-2130848288"/>
         <c:crosses val="autoZero"/>
         <c:crossBetween val="between"/>
       </c:valAx>
@@ -5313,12 +5342,12 @@
         </a:fontRef>
       </dsp:style>
       <dsp:txBody>
-        <a:bodyPr spcFirstLastPara="0" vert="horz" wrap="square" lIns="20320" tIns="20320" rIns="20320" bIns="20320" numCol="1" spcCol="1270" anchor="ctr" anchorCtr="0">
+        <a:bodyPr spcFirstLastPara="0" vert="horz" wrap="square" lIns="19050" tIns="19050" rIns="19050" bIns="19050" numCol="1" spcCol="1270" anchor="ctr" anchorCtr="0">
           <a:noAutofit/>
         </a:bodyPr>
         <a:lstStyle/>
         <a:p>
-          <a:pPr lvl="0" algn="ctr" defTabSz="711200">
+          <a:pPr lvl="0" algn="ctr" defTabSz="666750">
             <a:lnSpc>
               <a:spcPct val="90000"/>
             </a:lnSpc>
@@ -5330,10 +5359,10 @@
             </a:spcAft>
           </a:pPr>
           <a:r>
-            <a:rPr lang="en-US" sz="1600" kern="1200" dirty="0" smtClean="0"/>
+            <a:rPr lang="en-US" sz="1500" kern="1200" dirty="0" smtClean="0"/>
             <a:t>Developer Complete</a:t>
           </a:r>
-          <a:endParaRPr lang="en-US" sz="1600" kern="1200" dirty="0"/>
+          <a:endParaRPr lang="en-US" sz="1500" kern="1200" dirty="0"/>
         </a:p>
       </dsp:txBody>
       <dsp:txXfrm>
@@ -5388,7 +5417,7 @@
         </a:bodyPr>
         <a:lstStyle/>
         <a:p>
-          <a:pPr lvl="0" algn="ctr" defTabSz="577850">
+          <a:pPr lvl="0" algn="ctr" defTabSz="533400">
             <a:lnSpc>
               <a:spcPct val="90000"/>
             </a:lnSpc>
@@ -5399,7 +5428,7 @@
               <a:spcPct val="35000"/>
             </a:spcAft>
           </a:pPr>
-          <a:endParaRPr lang="en-US" sz="1300" kern="1200"/>
+          <a:endParaRPr lang="en-US" sz="1200" kern="1200"/>
         </a:p>
       </dsp:txBody>
       <dsp:txXfrm>
@@ -5456,12 +5485,12 @@
         </a:fontRef>
       </dsp:style>
       <dsp:txBody>
-        <a:bodyPr spcFirstLastPara="0" vert="horz" wrap="square" lIns="20320" tIns="20320" rIns="20320" bIns="20320" numCol="1" spcCol="1270" anchor="ctr" anchorCtr="0">
+        <a:bodyPr spcFirstLastPara="0" vert="horz" wrap="square" lIns="19050" tIns="19050" rIns="19050" bIns="19050" numCol="1" spcCol="1270" anchor="ctr" anchorCtr="0">
           <a:noAutofit/>
         </a:bodyPr>
         <a:lstStyle/>
         <a:p>
-          <a:pPr lvl="0" algn="ctr" defTabSz="711200">
+          <a:pPr lvl="0" algn="ctr" defTabSz="666750">
             <a:lnSpc>
               <a:spcPct val="90000"/>
             </a:lnSpc>
@@ -5473,10 +5502,10 @@
             </a:spcAft>
           </a:pPr>
           <a:r>
-            <a:rPr lang="en-US" sz="1600" kern="1200" dirty="0" smtClean="0"/>
+            <a:rPr lang="en-US" sz="1500" kern="1200" dirty="0" smtClean="0"/>
             <a:t>Customer Acceptance</a:t>
           </a:r>
-          <a:endParaRPr lang="en-US" sz="1600" kern="1200" dirty="0"/>
+          <a:endParaRPr lang="en-US" sz="1500" kern="1200" dirty="0"/>
         </a:p>
       </dsp:txBody>
       <dsp:txXfrm>
@@ -5531,7 +5560,7 @@
         </a:bodyPr>
         <a:lstStyle/>
         <a:p>
-          <a:pPr lvl="0" algn="ctr" defTabSz="577850">
+          <a:pPr lvl="0" algn="ctr" defTabSz="533400">
             <a:lnSpc>
               <a:spcPct val="90000"/>
             </a:lnSpc>
@@ -5542,7 +5571,7 @@
               <a:spcPct val="35000"/>
             </a:spcAft>
           </a:pPr>
-          <a:endParaRPr lang="en-US" sz="1300" kern="1200"/>
+          <a:endParaRPr lang="en-US" sz="1200" kern="1200"/>
         </a:p>
       </dsp:txBody>
       <dsp:txXfrm>
@@ -5599,12 +5628,12 @@
         </a:fontRef>
       </dsp:style>
       <dsp:txBody>
-        <a:bodyPr spcFirstLastPara="0" vert="horz" wrap="square" lIns="20320" tIns="20320" rIns="20320" bIns="20320" numCol="1" spcCol="1270" anchor="ctr" anchorCtr="0">
+        <a:bodyPr spcFirstLastPara="0" vert="horz" wrap="square" lIns="19050" tIns="19050" rIns="19050" bIns="19050" numCol="1" spcCol="1270" anchor="ctr" anchorCtr="0">
           <a:noAutofit/>
         </a:bodyPr>
         <a:lstStyle/>
         <a:p>
-          <a:pPr lvl="0" algn="ctr" defTabSz="711200">
+          <a:pPr lvl="0" algn="ctr" defTabSz="666750">
             <a:lnSpc>
               <a:spcPct val="90000"/>
             </a:lnSpc>
@@ -5616,10 +5645,10 @@
             </a:spcAft>
           </a:pPr>
           <a:r>
-            <a:rPr lang="en-US" sz="1600" kern="1200" dirty="0" smtClean="0"/>
+            <a:rPr lang="en-US" sz="1500" kern="1200" dirty="0" smtClean="0"/>
             <a:t>Testing Verification</a:t>
           </a:r>
-          <a:endParaRPr lang="en-US" sz="1600" kern="1200" dirty="0"/>
+          <a:endParaRPr lang="en-US" sz="1500" kern="1200" dirty="0"/>
         </a:p>
       </dsp:txBody>
       <dsp:txXfrm>
@@ -5674,7 +5703,7 @@
         </a:bodyPr>
         <a:lstStyle/>
         <a:p>
-          <a:pPr lvl="0" algn="ctr" defTabSz="577850">
+          <a:pPr lvl="0" algn="ctr" defTabSz="533400">
             <a:lnSpc>
               <a:spcPct val="90000"/>
             </a:lnSpc>
@@ -5685,7 +5714,7 @@
               <a:spcPct val="35000"/>
             </a:spcAft>
           </a:pPr>
-          <a:endParaRPr lang="en-US" sz="1300" kern="1200"/>
+          <a:endParaRPr lang="en-US" sz="1200" kern="1200"/>
         </a:p>
       </dsp:txBody>
       <dsp:txXfrm>
@@ -5742,12 +5771,12 @@
         </a:fontRef>
       </dsp:style>
       <dsp:txBody>
-        <a:bodyPr spcFirstLastPara="0" vert="horz" wrap="square" lIns="20320" tIns="20320" rIns="20320" bIns="20320" numCol="1" spcCol="1270" anchor="ctr" anchorCtr="0">
+        <a:bodyPr spcFirstLastPara="0" vert="horz" wrap="square" lIns="19050" tIns="19050" rIns="19050" bIns="19050" numCol="1" spcCol="1270" anchor="ctr" anchorCtr="0">
           <a:noAutofit/>
         </a:bodyPr>
         <a:lstStyle/>
         <a:p>
-          <a:pPr lvl="0" algn="ctr" defTabSz="711200">
+          <a:pPr lvl="0" algn="ctr" defTabSz="666750">
             <a:lnSpc>
               <a:spcPct val="90000"/>
             </a:lnSpc>
@@ -5759,10 +5788,10 @@
             </a:spcAft>
           </a:pPr>
           <a:r>
-            <a:rPr lang="en-US" sz="1600" kern="1200" dirty="0" smtClean="0"/>
+            <a:rPr lang="en-US" sz="1500" kern="1200" dirty="0" smtClean="0"/>
             <a:t>Done!</a:t>
           </a:r>
-          <a:endParaRPr lang="en-US" sz="1600" kern="1200" dirty="0"/>
+          <a:endParaRPr lang="en-US" sz="1500" kern="1200" dirty="0"/>
         </a:p>
       </dsp:txBody>
       <dsp:txXfrm>
@@ -9640,7 +9669,7 @@
             <a:fld id="{3645A85B-5EE2-224D-892B-EBDEE738041D}" type="datetime1">
               <a:rPr lang="en-US"/>
               <a:pPr/>
-              <a:t>9/23/15</a:t>
+              <a:t>10/5/15</a:t>
             </a:fld>
             <a:endParaRPr lang="en-US"/>
           </a:p>
@@ -9883,7 +9912,7 @@
             <a:fld id="{357A0049-9727-1C49-9F90-B954D42273FA}" type="datetime1">
               <a:rPr lang="en-US"/>
               <a:pPr/>
-              <a:t>9/23/15</a:t>
+              <a:t>10/5/15</a:t>
             </a:fld>
             <a:endParaRPr lang="en-US"/>
           </a:p>
@@ -10392,6 +10421,11 @@
         </p:txBody>
       </p:sp>
     </p:spTree>
+    <p:extLst>
+      <p:ext uri="{BB962C8B-B14F-4D97-AF65-F5344CB8AC3E}">
+        <p14:creationId xmlns:p14="http://schemas.microsoft.com/office/powerpoint/2010/main" val="919815111"/>
+      </p:ext>
+    </p:extLst>
   </p:cSld>
   <p:clrMapOvr>
     <a:masterClrMapping/>
@@ -10521,6 +10555,11 @@
         </p:txBody>
       </p:sp>
     </p:spTree>
+    <p:extLst>
+      <p:ext uri="{BB962C8B-B14F-4D97-AF65-F5344CB8AC3E}">
+        <p14:creationId xmlns:p14="http://schemas.microsoft.com/office/powerpoint/2010/main" val="1783965796"/>
+      </p:ext>
+    </p:extLst>
   </p:cSld>
   <p:clrMapOvr>
     <a:masterClrMapping/>
@@ -10656,6 +10695,11 @@
         </p:txBody>
       </p:sp>
     </p:spTree>
+    <p:extLst>
+      <p:ext uri="{BB962C8B-B14F-4D97-AF65-F5344CB8AC3E}">
+        <p14:creationId xmlns:p14="http://schemas.microsoft.com/office/powerpoint/2010/main" val="2093937605"/>
+      </p:ext>
+    </p:extLst>
   </p:cSld>
   <p:clrMapOvr>
     <a:masterClrMapping/>
@@ -10742,6 +10786,11 @@
         </p:txBody>
       </p:sp>
     </p:spTree>
+    <p:extLst>
+      <p:ext uri="{BB962C8B-B14F-4D97-AF65-F5344CB8AC3E}">
+        <p14:creationId xmlns:p14="http://schemas.microsoft.com/office/powerpoint/2010/main" val="1994803846"/>
+      </p:ext>
+    </p:extLst>
   </p:cSld>
   <p:clrMapOvr>
     <a:masterClrMapping/>
@@ -10911,6 +10960,11 @@
         </p:txBody>
       </p:sp>
     </p:spTree>
+    <p:extLst>
+      <p:ext uri="{BB962C8B-B14F-4D97-AF65-F5344CB8AC3E}">
+        <p14:creationId xmlns:p14="http://schemas.microsoft.com/office/powerpoint/2010/main" val="153542758"/>
+      </p:ext>
+    </p:extLst>
   </p:cSld>
   <p:clrMapOvr>
     <a:masterClrMapping/>
@@ -10960,7 +11014,7 @@
         <p:spPr/>
         <p:txBody>
           <a:bodyPr>
-            <a:normAutofit fontScale="92500"/>
+            <a:normAutofit fontScale="92500" lnSpcReduction="20000"/>
           </a:bodyPr>
           <a:lstStyle/>
           <a:p>
@@ -11057,6 +11111,11 @@
         </p:txBody>
       </p:sp>
     </p:spTree>
+    <p:extLst>
+      <p:ext uri="{BB962C8B-B14F-4D97-AF65-F5344CB8AC3E}">
+        <p14:creationId xmlns:p14="http://schemas.microsoft.com/office/powerpoint/2010/main" val="1465273659"/>
+      </p:ext>
+    </p:extLst>
   </p:cSld>
   <p:clrMapOvr>
     <a:masterClrMapping/>
@@ -11568,6 +11627,11 @@
         </p:txBody>
       </p:sp>
     </p:spTree>
+    <p:extLst>
+      <p:ext uri="{BB962C8B-B14F-4D97-AF65-F5344CB8AC3E}">
+        <p14:creationId xmlns:p14="http://schemas.microsoft.com/office/powerpoint/2010/main" val="1745279471"/>
+      </p:ext>
+    </p:extLst>
   </p:cSld>
   <p:clrMapOvr>
     <a:masterClrMapping/>
@@ -11617,7 +11681,7 @@
         <p:spPr/>
         <p:txBody>
           <a:bodyPr>
-            <a:normAutofit fontScale="62500" lnSpcReduction="20000"/>
+            <a:normAutofit fontScale="55000" lnSpcReduction="20000"/>
           </a:bodyPr>
           <a:lstStyle/>
           <a:p>
@@ -11948,6 +12012,11 @@
         </p:txBody>
       </p:sp>
     </p:spTree>
+    <p:extLst>
+      <p:ext uri="{BB962C8B-B14F-4D97-AF65-F5344CB8AC3E}">
+        <p14:creationId xmlns:p14="http://schemas.microsoft.com/office/powerpoint/2010/main" val="263332432"/>
+      </p:ext>
+    </p:extLst>
   </p:cSld>
   <p:clrMapOvr>
     <a:masterClrMapping/>
@@ -12001,7 +12070,9 @@
           <a:ln/>
         </p:spPr>
         <p:txBody>
-          <a:bodyPr/>
+          <a:bodyPr>
+            <a:normAutofit fontScale="77500" lnSpcReduction="20000"/>
+          </a:bodyPr>
           <a:lstStyle/>
           <a:p>
             <a:pPr>
@@ -12264,6 +12335,11 @@
         </p:txBody>
       </p:sp>
     </p:spTree>
+    <p:extLst>
+      <p:ext uri="{BB962C8B-B14F-4D97-AF65-F5344CB8AC3E}">
+        <p14:creationId xmlns:p14="http://schemas.microsoft.com/office/powerpoint/2010/main" val="2011871804"/>
+      </p:ext>
+    </p:extLst>
   </p:cSld>
   <p:clrMapOvr>
     <a:masterClrMapping/>
@@ -12317,7 +12393,9 @@
           <a:ln/>
         </p:spPr>
         <p:txBody>
-          <a:bodyPr/>
+          <a:bodyPr>
+            <a:normAutofit lnSpcReduction="10000"/>
+          </a:bodyPr>
           <a:lstStyle/>
           <a:p>
             <a:pPr>
@@ -12479,6 +12557,11 @@
         </p:txBody>
       </p:sp>
     </p:spTree>
+    <p:extLst>
+      <p:ext uri="{BB962C8B-B14F-4D97-AF65-F5344CB8AC3E}">
+        <p14:creationId xmlns:p14="http://schemas.microsoft.com/office/powerpoint/2010/main" val="1399387813"/>
+      </p:ext>
+    </p:extLst>
   </p:cSld>
   <p:clrMapOvr>
     <a:masterClrMapping/>
@@ -12612,6 +12695,11 @@
         </p:txBody>
       </p:sp>
     </p:spTree>
+    <p:extLst>
+      <p:ext uri="{BB962C8B-B14F-4D97-AF65-F5344CB8AC3E}">
+        <p14:creationId xmlns:p14="http://schemas.microsoft.com/office/powerpoint/2010/main" val="270071147"/>
+      </p:ext>
+    </p:extLst>
   </p:cSld>
   <p:clrMapOvr>
     <a:masterClrMapping/>
@@ -12708,6 +12796,11 @@
         </p:txBody>
       </p:sp>
     </p:spTree>
+    <p:extLst>
+      <p:ext uri="{BB962C8B-B14F-4D97-AF65-F5344CB8AC3E}">
+        <p14:creationId xmlns:p14="http://schemas.microsoft.com/office/powerpoint/2010/main" val="1452821518"/>
+      </p:ext>
+    </p:extLst>
   </p:cSld>
   <p:clrMapOvr>
     <a:masterClrMapping/>
@@ -12936,6 +13029,11 @@
         </p:txBody>
       </p:sp>
     </p:spTree>
+    <p:extLst>
+      <p:ext uri="{BB962C8B-B14F-4D97-AF65-F5344CB8AC3E}">
+        <p14:creationId xmlns:p14="http://schemas.microsoft.com/office/powerpoint/2010/main" val="682186636"/>
+      </p:ext>
+    </p:extLst>
   </p:cSld>
   <p:clrMapOvr>
     <a:masterClrMapping/>
@@ -13140,6 +13238,11 @@
         </p:txBody>
       </p:sp>
     </p:spTree>
+    <p:extLst>
+      <p:ext uri="{BB962C8B-B14F-4D97-AF65-F5344CB8AC3E}">
+        <p14:creationId xmlns:p14="http://schemas.microsoft.com/office/powerpoint/2010/main" val="95599919"/>
+      </p:ext>
+    </p:extLst>
   </p:cSld>
   <p:clrMapOvr>
     <a:masterClrMapping/>
@@ -13416,6 +13519,11 @@
         </p:txBody>
       </p:sp>
     </p:spTree>
+    <p:extLst>
+      <p:ext uri="{BB962C8B-B14F-4D97-AF65-F5344CB8AC3E}">
+        <p14:creationId xmlns:p14="http://schemas.microsoft.com/office/powerpoint/2010/main" val="430070677"/>
+      </p:ext>
+    </p:extLst>
   </p:cSld>
   <p:clrMapOvr>
     <a:masterClrMapping/>
@@ -13470,7 +13578,7 @@
         <p:spPr/>
         <p:txBody>
           <a:bodyPr>
-            <a:normAutofit fontScale="77500" lnSpcReduction="20000"/>
+            <a:normAutofit/>
           </a:bodyPr>
           <a:lstStyle/>
           <a:p>
@@ -13522,6 +13630,11 @@
         </p:txBody>
       </p:sp>
     </p:spTree>
+    <p:extLst>
+      <p:ext uri="{BB962C8B-B14F-4D97-AF65-F5344CB8AC3E}">
+        <p14:creationId xmlns:p14="http://schemas.microsoft.com/office/powerpoint/2010/main" val="1915396184"/>
+      </p:ext>
+    </p:extLst>
   </p:cSld>
   <p:clrMapOvr>
     <a:masterClrMapping/>
@@ -13646,6 +13759,11 @@
         </p:txBody>
       </p:sp>
     </p:spTree>
+    <p:extLst>
+      <p:ext uri="{BB962C8B-B14F-4D97-AF65-F5344CB8AC3E}">
+        <p14:creationId xmlns:p14="http://schemas.microsoft.com/office/powerpoint/2010/main" val="1283795958"/>
+      </p:ext>
+    </p:extLst>
   </p:cSld>
   <p:clrMapOvr>
     <a:masterClrMapping/>
@@ -13732,6 +13850,11 @@
         </p:txBody>
       </p:sp>
     </p:spTree>
+    <p:extLst>
+      <p:ext uri="{BB962C8B-B14F-4D97-AF65-F5344CB8AC3E}">
+        <p14:creationId xmlns:p14="http://schemas.microsoft.com/office/powerpoint/2010/main" val="432934724"/>
+      </p:ext>
+    </p:extLst>
   </p:cSld>
   <p:clrMapOvr>
     <a:masterClrMapping/>
@@ -13818,6 +13941,11 @@
         </p:txBody>
       </p:sp>
     </p:spTree>
+    <p:extLst>
+      <p:ext uri="{BB962C8B-B14F-4D97-AF65-F5344CB8AC3E}">
+        <p14:creationId xmlns:p14="http://schemas.microsoft.com/office/powerpoint/2010/main" val="990464697"/>
+      </p:ext>
+    </p:extLst>
   </p:cSld>
   <p:clrMapOvr>
     <a:masterClrMapping/>
@@ -13872,7 +14000,7 @@
         <p:spPr/>
         <p:txBody>
           <a:bodyPr>
-            <a:normAutofit lnSpcReduction="10000"/>
+            <a:normAutofit fontScale="92500" lnSpcReduction="10000"/>
           </a:bodyPr>
           <a:lstStyle/>
           <a:p>
@@ -14005,6 +14133,11 @@
         </p:txBody>
       </p:sp>
     </p:spTree>
+    <p:extLst>
+      <p:ext uri="{BB962C8B-B14F-4D97-AF65-F5344CB8AC3E}">
+        <p14:creationId xmlns:p14="http://schemas.microsoft.com/office/powerpoint/2010/main" val="1594414582"/>
+      </p:ext>
+    </p:extLst>
   </p:cSld>
   <p:clrMapOvr>
     <a:masterClrMapping/>
@@ -14100,6 +14233,11 @@
         </p:txBody>
       </p:sp>
     </p:spTree>
+    <p:extLst>
+      <p:ext uri="{BB962C8B-B14F-4D97-AF65-F5344CB8AC3E}">
+        <p14:creationId xmlns:p14="http://schemas.microsoft.com/office/powerpoint/2010/main" val="1072648669"/>
+      </p:ext>
+    </p:extLst>
   </p:cSld>
   <p:clrMapOvr>
     <a:masterClrMapping/>
@@ -14232,6 +14370,11 @@
         </p:txBody>
       </p:sp>
     </p:spTree>
+    <p:extLst>
+      <p:ext uri="{BB962C8B-B14F-4D97-AF65-F5344CB8AC3E}">
+        <p14:creationId xmlns:p14="http://schemas.microsoft.com/office/powerpoint/2010/main" val="2028446965"/>
+      </p:ext>
+    </p:extLst>
   </p:cSld>
   <p:clrMapOvr>
     <a:masterClrMapping/>
@@ -14314,6 +14457,11 @@
         </p:txBody>
       </p:sp>
     </p:spTree>
+    <p:extLst>
+      <p:ext uri="{BB962C8B-B14F-4D97-AF65-F5344CB8AC3E}">
+        <p14:creationId xmlns:p14="http://schemas.microsoft.com/office/powerpoint/2010/main" val="805244630"/>
+      </p:ext>
+    </p:extLst>
   </p:cSld>
   <p:clrMapOvr>
     <a:masterClrMapping/>
@@ -14455,6 +14603,11 @@
         </p:txBody>
       </p:sp>
     </p:spTree>
+    <p:extLst>
+      <p:ext uri="{BB962C8B-B14F-4D97-AF65-F5344CB8AC3E}">
+        <p14:creationId xmlns:p14="http://schemas.microsoft.com/office/powerpoint/2010/main" val="304553016"/>
+      </p:ext>
+    </p:extLst>
   </p:cSld>
   <p:clrMapOvr>
     <a:masterClrMapping/>
@@ -14559,6 +14712,11 @@
         </p:txBody>
       </p:sp>
     </p:spTree>
+    <p:extLst>
+      <p:ext uri="{BB962C8B-B14F-4D97-AF65-F5344CB8AC3E}">
+        <p14:creationId xmlns:p14="http://schemas.microsoft.com/office/powerpoint/2010/main" val="1169009111"/>
+      </p:ext>
+    </p:extLst>
   </p:cSld>
   <p:clrMapOvr>
     <a:masterClrMapping/>
@@ -14645,6 +14803,11 @@
         </p:txBody>
       </p:sp>
     </p:spTree>
+    <p:extLst>
+      <p:ext uri="{BB962C8B-B14F-4D97-AF65-F5344CB8AC3E}">
+        <p14:creationId xmlns:p14="http://schemas.microsoft.com/office/powerpoint/2010/main" val="208242174"/>
+      </p:ext>
+    </p:extLst>
   </p:cSld>
   <p:clrMapOvr>
     <a:masterClrMapping/>
@@ -14694,7 +14857,7 @@
         <p:spPr/>
         <p:txBody>
           <a:bodyPr>
-            <a:normAutofit fontScale="92500" lnSpcReduction="20000"/>
+            <a:normAutofit fontScale="85000" lnSpcReduction="20000"/>
           </a:bodyPr>
           <a:lstStyle/>
           <a:p>
@@ -14864,6 +15027,11 @@
         </p:txBody>
       </p:sp>
     </p:spTree>
+    <p:extLst>
+      <p:ext uri="{BB962C8B-B14F-4D97-AF65-F5344CB8AC3E}">
+        <p14:creationId xmlns:p14="http://schemas.microsoft.com/office/powerpoint/2010/main" val="1675357455"/>
+      </p:ext>
+    </p:extLst>
   </p:cSld>
   <p:clrMapOvr>
     <a:masterClrMapping/>
@@ -15068,6 +15236,11 @@
         </p:txBody>
       </p:sp>
     </p:spTree>
+    <p:extLst>
+      <p:ext uri="{BB962C8B-B14F-4D97-AF65-F5344CB8AC3E}">
+        <p14:creationId xmlns:p14="http://schemas.microsoft.com/office/powerpoint/2010/main" val="2074650368"/>
+      </p:ext>
+    </p:extLst>
   </p:cSld>
   <p:clrMapOvr>
     <a:masterClrMapping/>
@@ -15188,6 +15361,11 @@
         </p:txBody>
       </p:sp>
     </p:spTree>
+    <p:extLst>
+      <p:ext uri="{BB962C8B-B14F-4D97-AF65-F5344CB8AC3E}">
+        <p14:creationId xmlns:p14="http://schemas.microsoft.com/office/powerpoint/2010/main" val="659310232"/>
+      </p:ext>
+    </p:extLst>
   </p:cSld>
   <p:clrMapOvr>
     <a:masterClrMapping/>
@@ -15411,6 +15589,11 @@
         </p:txBody>
       </p:sp>
     </p:spTree>
+    <p:extLst>
+      <p:ext uri="{BB962C8B-B14F-4D97-AF65-F5344CB8AC3E}">
+        <p14:creationId xmlns:p14="http://schemas.microsoft.com/office/powerpoint/2010/main" val="2104242284"/>
+      </p:ext>
+    </p:extLst>
   </p:cSld>
   <p:clrMapOvr>
     <a:masterClrMapping/>
@@ -15631,6 +15814,11 @@
         </p:txBody>
       </p:sp>
     </p:spTree>
+    <p:extLst>
+      <p:ext uri="{BB962C8B-B14F-4D97-AF65-F5344CB8AC3E}">
+        <p14:creationId xmlns:p14="http://schemas.microsoft.com/office/powerpoint/2010/main" val="1239368392"/>
+      </p:ext>
+    </p:extLst>
   </p:cSld>
   <p:clrMapOvr>
     <a:masterClrMapping/>
@@ -15815,6 +16003,11 @@
         </p:txBody>
       </p:sp>
     </p:spTree>
+    <p:extLst>
+      <p:ext uri="{BB962C8B-B14F-4D97-AF65-F5344CB8AC3E}">
+        <p14:creationId xmlns:p14="http://schemas.microsoft.com/office/powerpoint/2010/main" val="1620672091"/>
+      </p:ext>
+    </p:extLst>
   </p:cSld>
   <p:clrMapOvr>
     <a:masterClrMapping/>
@@ -16119,6 +16312,11 @@
         </p:txBody>
       </p:sp>
     </p:spTree>
+    <p:extLst>
+      <p:ext uri="{BB962C8B-B14F-4D97-AF65-F5344CB8AC3E}">
+        <p14:creationId xmlns:p14="http://schemas.microsoft.com/office/powerpoint/2010/main" val="1325937545"/>
+      </p:ext>
+    </p:extLst>
   </p:cSld>
   <p:clrMapOvr>
     <a:masterClrMapping/>
@@ -16228,6 +16426,11 @@
         </p:txBody>
       </p:sp>
     </p:spTree>
+    <p:extLst>
+      <p:ext uri="{BB962C8B-B14F-4D97-AF65-F5344CB8AC3E}">
+        <p14:creationId xmlns:p14="http://schemas.microsoft.com/office/powerpoint/2010/main" val="594513896"/>
+      </p:ext>
+    </p:extLst>
   </p:cSld>
   <p:clrMapOvr>
     <a:masterClrMapping/>
@@ -16337,6 +16540,11 @@
         </p:txBody>
       </p:sp>
     </p:spTree>
+    <p:extLst>
+      <p:ext uri="{BB962C8B-B14F-4D97-AF65-F5344CB8AC3E}">
+        <p14:creationId xmlns:p14="http://schemas.microsoft.com/office/powerpoint/2010/main" val="1901124228"/>
+      </p:ext>
+    </p:extLst>
   </p:cSld>
   <p:clrMapOvr>
     <a:masterClrMapping/>
@@ -16581,6 +16789,11 @@
         </p:txBody>
       </p:sp>
     </p:spTree>
+    <p:extLst>
+      <p:ext uri="{BB962C8B-B14F-4D97-AF65-F5344CB8AC3E}">
+        <p14:creationId xmlns:p14="http://schemas.microsoft.com/office/powerpoint/2010/main" val="1933199930"/>
+      </p:ext>
+    </p:extLst>
   </p:cSld>
   <p:clrMapOvr>
     <a:masterClrMapping/>
@@ -16635,7 +16848,7 @@
         <p:spPr/>
         <p:txBody>
           <a:bodyPr>
-            <a:normAutofit/>
+            <a:normAutofit fontScale="85000" lnSpcReduction="20000"/>
           </a:bodyPr>
           <a:lstStyle/>
           <a:p>
@@ -16788,6 +17001,11 @@
         </p:txBody>
       </p:sp>
     </p:spTree>
+    <p:extLst>
+      <p:ext uri="{BB962C8B-B14F-4D97-AF65-F5344CB8AC3E}">
+        <p14:creationId xmlns:p14="http://schemas.microsoft.com/office/powerpoint/2010/main" val="2011128047"/>
+      </p:ext>
+    </p:extLst>
   </p:cSld>
   <p:clrMapOvr>
     <a:masterClrMapping/>
@@ -17434,11 +17652,11 @@
   <p:clrMapOvr>
     <a:masterClrMapping/>
   </p:clrMapOvr>
-  <p:transition xmlns:p14="http://schemas.microsoft.com/office/powerpoint/2010/main"/>
+  <p:transition/>
   <p:timing>
     <p:tnLst>
       <p:par>
-        <p:cTn xmlns:p14="http://schemas.microsoft.com/office/powerpoint/2010/main" id="1" dur="indefinite" restart="never" nodeType="tmRoot"/>
+        <p:cTn id="1" dur="indefinite" restart="never" nodeType="tmRoot"/>
       </p:par>
     </p:tnLst>
   </p:timing>
@@ -17583,7 +17801,7 @@
   <p:timing>
     <p:tnLst>
       <p:par>
-        <p:cTn xmlns:p14="http://schemas.microsoft.com/office/powerpoint/2010/main" id="1" dur="indefinite" restart="never" nodeType="tmRoot"/>
+        <p:cTn id="1" dur="indefinite" restart="never" nodeType="tmRoot"/>
       </p:par>
     </p:tnLst>
   </p:timing>
@@ -17953,13 +18171,13 @@
   <p:clrMapOvr>
     <a:masterClrMapping/>
   </p:clrMapOvr>
-  <p:transition xmlns:p14="http://schemas.microsoft.com/office/powerpoint/2010/main" spd="med">
+  <p:transition spd="med">
     <p:fade/>
   </p:transition>
   <p:timing>
     <p:tnLst>
       <p:par>
-        <p:cTn xmlns:p14="http://schemas.microsoft.com/office/powerpoint/2010/main" id="1" dur="indefinite" restart="never" nodeType="tmRoot"/>
+        <p:cTn id="1" dur="indefinite" restart="never" nodeType="tmRoot"/>
       </p:par>
     </p:tnLst>
   </p:timing>
@@ -18368,13 +18586,13 @@
   <p:clrMapOvr>
     <a:masterClrMapping/>
   </p:clrMapOvr>
-  <p:transition xmlns:p14="http://schemas.microsoft.com/office/powerpoint/2010/main" spd="med">
+  <p:transition spd="med">
     <p:fade/>
   </p:transition>
   <p:timing>
     <p:tnLst>
       <p:par>
-        <p:cTn xmlns:p14="http://schemas.microsoft.com/office/powerpoint/2010/main" id="1" dur="indefinite" restart="never" nodeType="tmRoot"/>
+        <p:cTn id="1" dur="indefinite" restart="never" nodeType="tmRoot"/>
       </p:par>
     </p:tnLst>
   </p:timing>
@@ -18735,13 +18953,13 @@
   <p:clrMapOvr>
     <a:masterClrMapping/>
   </p:clrMapOvr>
-  <p:transition xmlns:p14="http://schemas.microsoft.com/office/powerpoint/2010/main" spd="med">
+  <p:transition spd="med">
     <p:fade/>
   </p:transition>
   <p:timing>
     <p:tnLst>
       <p:par>
-        <p:cTn xmlns:p14="http://schemas.microsoft.com/office/powerpoint/2010/main" id="1" dur="indefinite" restart="never" nodeType="tmRoot"/>
+        <p:cTn id="1" dur="indefinite" restart="never" nodeType="tmRoot"/>
       </p:par>
     </p:tnLst>
   </p:timing>
@@ -18798,13 +19016,13 @@
   <p:clrMapOvr>
     <a:masterClrMapping/>
   </p:clrMapOvr>
-  <p:transition xmlns:p14="http://schemas.microsoft.com/office/powerpoint/2010/main" spd="med">
+  <p:transition spd="med">
     <p:fade/>
   </p:transition>
   <p:timing>
     <p:tnLst>
       <p:par>
-        <p:cTn xmlns:p14="http://schemas.microsoft.com/office/powerpoint/2010/main" id="1" dur="indefinite" restart="never" nodeType="tmRoot"/>
+        <p:cTn id="1" dur="indefinite" restart="never" nodeType="tmRoot"/>
       </p:par>
     </p:tnLst>
   </p:timing>
@@ -18838,13 +19056,13 @@
   <p:clrMapOvr>
     <a:masterClrMapping/>
   </p:clrMapOvr>
-  <p:transition xmlns:p14="http://schemas.microsoft.com/office/powerpoint/2010/main" spd="med">
+  <p:transition spd="med">
     <p:fade/>
   </p:transition>
   <p:timing>
     <p:tnLst>
       <p:par>
-        <p:cTn xmlns:p14="http://schemas.microsoft.com/office/powerpoint/2010/main" id="1" dur="indefinite" restart="never" nodeType="tmRoot"/>
+        <p:cTn id="1" dur="indefinite" restart="never" nodeType="tmRoot"/>
       </p:par>
     </p:tnLst>
   </p:timing>
@@ -19445,13 +19663,13 @@
   <p:sldLayoutIdLst>
     <p:sldLayoutId id="2147483690" r:id="rId1"/>
   </p:sldLayoutIdLst>
-  <p:transition xmlns:p14="http://schemas.microsoft.com/office/powerpoint/2010/main" spd="med">
+  <p:transition spd="med">
     <p:fade/>
   </p:transition>
   <p:timing>
     <p:tnLst>
       <p:par>
-        <p:cTn xmlns:p14="http://schemas.microsoft.com/office/powerpoint/2010/main" id="1" dur="indefinite" restart="never" nodeType="tmRoot"/>
+        <p:cTn id="1" dur="indefinite" restart="never" nodeType="tmRoot"/>
       </p:par>
     </p:tnLst>
   </p:timing>
@@ -20077,13 +20295,13 @@
     <p:sldLayoutId id="2147483717" r:id="rId12"/>
     <p:sldLayoutId id="2147483719" r:id="rId13"/>
   </p:sldLayoutIdLst>
-  <p:transition xmlns:p14="http://schemas.microsoft.com/office/powerpoint/2010/main" spd="med">
+  <p:transition spd="med">
     <p:fade/>
   </p:transition>
   <p:timing>
     <p:tnLst>
       <p:par>
-        <p:cTn xmlns:p14="http://schemas.microsoft.com/office/powerpoint/2010/main" id="1" dur="indefinite" restart="never" nodeType="tmRoot"/>
+        <p:cTn id="1" dur="indefinite" restart="never" nodeType="tmRoot"/>
       </p:par>
     </p:tnLst>
   </p:timing>
@@ -20438,14 +20656,14 @@
           </a:ln>
           <a:extLst>
             <a:ext uri="{909E8E84-426E-40dd-AFC4-6F175D3DCCD1}">
-              <a14:hiddenFill xmlns:a14="http://schemas.microsoft.com/office/drawing/2010/main">
+              <a14:hiddenFill xmlns:a14="http://schemas.microsoft.com/office/drawing/2010/main" xmlns="">
                 <a:solidFill>
                   <a:srgbClr val="FFFFFF"/>
                 </a:solidFill>
               </a14:hiddenFill>
             </a:ext>
             <a:ext uri="{91240B29-F687-4f45-9708-019B960494DF}">
-              <a14:hiddenLine xmlns:a14="http://schemas.microsoft.com/office/drawing/2010/main" w="9525">
+              <a14:hiddenLine xmlns:a14="http://schemas.microsoft.com/office/drawing/2010/main" xmlns="" w="9525">
                 <a:solidFill>
                   <a:srgbClr val="000000"/>
                 </a:solidFill>
@@ -20567,13 +20785,13 @@
   <p:clrMapOvr>
     <a:masterClrMapping/>
   </p:clrMapOvr>
-  <p:transition xmlns:p14="http://schemas.microsoft.com/office/powerpoint/2010/main" spd="med">
+  <p:transition spd="med">
     <p:fade/>
   </p:transition>
   <p:timing>
     <p:tnLst>
       <p:par>
-        <p:cTn xmlns:p14="http://schemas.microsoft.com/office/powerpoint/2010/main" id="1" dur="indefinite" restart="never" nodeType="tmRoot"/>
+        <p:cTn id="1" dur="indefinite" restart="never" nodeType="tmRoot"/>
       </p:par>
     </p:tnLst>
   </p:timing>
@@ -21583,13 +21801,13 @@
   <p:clrMapOvr>
     <a:masterClrMapping/>
   </p:clrMapOvr>
-  <p:transition xmlns:p14="http://schemas.microsoft.com/office/powerpoint/2010/main" spd="med">
+  <p:transition spd="med">
     <p:fade/>
   </p:transition>
   <p:timing>
     <p:tnLst>
       <p:par>
-        <p:cTn xmlns:p14="http://schemas.microsoft.com/office/powerpoint/2010/main" id="1" dur="indefinite" restart="never" nodeType="tmRoot">
+        <p:cTn id="1" dur="indefinite" restart="never" nodeType="tmRoot">
           <p:childTnLst>
             <p:seq concurrent="1" nextAc="seek">
               <p:cTn id="2" dur="indefinite" nodeType="mainSeq">
@@ -24637,13 +24855,13 @@
   <p:clrMapOvr>
     <a:masterClrMapping/>
   </p:clrMapOvr>
-  <p:transition xmlns:p14="http://schemas.microsoft.com/office/powerpoint/2010/main">
+  <p:transition>
     <p:fade/>
   </p:transition>
   <p:timing>
     <p:tnLst>
       <p:par>
-        <p:cTn xmlns:p14="http://schemas.microsoft.com/office/powerpoint/2010/main" id="1" dur="indefinite" restart="never" nodeType="tmRoot"/>
+        <p:cTn id="1" dur="indefinite" restart="never" nodeType="tmRoot"/>
       </p:par>
     </p:tnLst>
   </p:timing>
@@ -24685,7 +24903,7 @@
         </p:spPr>
         <p:txBody>
           <a:bodyPr>
-            <a:normAutofit fontScale="90000"/>
+            <a:normAutofit/>
           </a:bodyPr>
           <a:lstStyle/>
           <a:p>
@@ -25818,13 +26036,13 @@
   <p:clrMapOvr>
     <a:masterClrMapping/>
   </p:clrMapOvr>
-  <p:transition xmlns:p14="http://schemas.microsoft.com/office/powerpoint/2010/main" spd="med">
+  <p:transition spd="med">
     <p:fade/>
   </p:transition>
   <p:timing>
     <p:tnLst>
       <p:par>
-        <p:cTn xmlns:p14="http://schemas.microsoft.com/office/powerpoint/2010/main" id="1" dur="indefinite" restart="never" nodeType="tmRoot">
+        <p:cTn id="1" dur="indefinite" restart="never" nodeType="tmRoot">
           <p:childTnLst>
             <p:seq concurrent="1" nextAc="seek">
               <p:cTn id="2" dur="indefinite" nodeType="mainSeq">
@@ -26470,13 +26688,13 @@
   <p:clrMapOvr>
     <a:masterClrMapping/>
   </p:clrMapOvr>
-  <p:transition xmlns:p14="http://schemas.microsoft.com/office/powerpoint/2010/main" spd="med">
+  <p:transition spd="med">
     <p:fade/>
   </p:transition>
   <p:timing>
     <p:tnLst>
       <p:par>
-        <p:cTn xmlns:p14="http://schemas.microsoft.com/office/powerpoint/2010/main" id="1" dur="indefinite" restart="never" nodeType="tmRoot">
+        <p:cTn id="1" dur="indefinite" restart="never" nodeType="tmRoot">
           <p:childTnLst>
             <p:seq concurrent="1" nextAc="seek">
               <p:cTn id="2" dur="indefinite" nodeType="mainSeq">
@@ -26930,11 +27148,11 @@
   <p:clrMapOvr>
     <a:masterClrMapping/>
   </p:clrMapOvr>
-  <p:transition xmlns:p14="http://schemas.microsoft.com/office/powerpoint/2010/main"/>
+  <p:transition/>
   <p:timing>
     <p:tnLst>
       <p:par>
-        <p:cTn xmlns:p14="http://schemas.microsoft.com/office/powerpoint/2010/main" id="1" dur="indefinite" restart="never" nodeType="tmRoot"/>
+        <p:cTn id="1" dur="indefinite" restart="never" nodeType="tmRoot"/>
       </p:par>
     </p:tnLst>
   </p:timing>
@@ -27102,7 +27320,7 @@
         </p:nvSpPr>
         <p:spPr>
           <a:xfrm rot="16200000">
-            <a:off x="66645" y="1987034"/>
+            <a:off x="66645" y="1834634"/>
             <a:ext cx="685800" cy="369332"/>
           </a:xfrm>
           <a:prstGeom prst="rect">
@@ -27135,7 +27353,7 @@
         </p:nvSpPr>
         <p:spPr>
           <a:xfrm rot="16200000">
-            <a:off x="-28545" y="3168134"/>
+            <a:off x="-28545" y="3015734"/>
             <a:ext cx="914400" cy="369332"/>
           </a:xfrm>
           <a:prstGeom prst="rect">
@@ -27168,7 +27386,7 @@
         </p:nvSpPr>
         <p:spPr>
           <a:xfrm rot="16200000">
-            <a:off x="28545" y="4158734"/>
+            <a:off x="28545" y="4006334"/>
             <a:ext cx="914400" cy="369332"/>
           </a:xfrm>
           <a:prstGeom prst="rect">
@@ -27201,7 +27419,7 @@
         </p:nvSpPr>
         <p:spPr>
           <a:xfrm rot="16200000">
-            <a:off x="47655" y="6216134"/>
+            <a:off x="47655" y="5911334"/>
             <a:ext cx="914400" cy="369332"/>
           </a:xfrm>
           <a:prstGeom prst="rect">
@@ -27762,7 +27980,7 @@
         </p:nvSpPr>
         <p:spPr>
           <a:xfrm rot="16200000">
-            <a:off x="32266" y="5133945"/>
+            <a:off x="32266" y="4981545"/>
             <a:ext cx="914400" cy="400110"/>
           </a:xfrm>
           <a:prstGeom prst="rect">
@@ -27864,13 +28082,13 @@
   <p:clrMapOvr>
     <a:masterClrMapping/>
   </p:clrMapOvr>
-  <p:transition xmlns:p14="http://schemas.microsoft.com/office/powerpoint/2010/main" spd="med">
+  <p:transition spd="med">
     <p:fade/>
   </p:transition>
   <p:timing>
     <p:tnLst>
       <p:par>
-        <p:cTn xmlns:p14="http://schemas.microsoft.com/office/powerpoint/2010/main" id="1" dur="indefinite" restart="never" nodeType="tmRoot">
+        <p:cTn id="1" dur="indefinite" restart="never" nodeType="tmRoot">
           <p:childTnLst>
             <p:seq concurrent="1" nextAc="seek">
               <p:cTn id="2" dur="indefinite" nodeType="mainSeq">
@@ -28387,13 +28605,13 @@
   <p:clrMapOvr>
     <a:masterClrMapping/>
   </p:clrMapOvr>
-  <p:transition xmlns:p14="http://schemas.microsoft.com/office/powerpoint/2010/main" spd="med">
+  <p:transition spd="med">
     <p:fade/>
   </p:transition>
   <p:timing>
     <p:tnLst>
       <p:par>
-        <p:cTn xmlns:p14="http://schemas.microsoft.com/office/powerpoint/2010/main" id="1" dur="indefinite" restart="never" nodeType="tmRoot">
+        <p:cTn id="1" dur="indefinite" restart="never" nodeType="tmRoot">
           <p:childTnLst>
             <p:seq concurrent="1" nextAc="seek">
               <p:cTn id="2" dur="indefinite" nodeType="mainSeq">
@@ -29185,13 +29403,13 @@
   <p:clrMapOvr>
     <a:masterClrMapping/>
   </p:clrMapOvr>
-  <p:transition xmlns:p14="http://schemas.microsoft.com/office/powerpoint/2010/main" spd="med">
+  <p:transition spd="med">
     <p:fade/>
   </p:transition>
   <p:timing>
     <p:tnLst>
       <p:par>
-        <p:cTn xmlns:p14="http://schemas.microsoft.com/office/powerpoint/2010/main" id="1" dur="indefinite" restart="never" nodeType="tmRoot">
+        <p:cTn id="1" dur="indefinite" restart="never" nodeType="tmRoot">
           <p:childTnLst>
             <p:seq concurrent="1" nextAc="seek">
               <p:cTn id="2" dur="indefinite" nodeType="mainSeq">
@@ -29695,13 +29913,13 @@
   <p:clrMapOvr>
     <a:masterClrMapping/>
   </p:clrMapOvr>
-  <p:transition xmlns:p14="http://schemas.microsoft.com/office/powerpoint/2010/main" spd="med">
+  <p:transition spd="med">
     <p:fade/>
   </p:transition>
   <p:timing>
     <p:tnLst>
       <p:par>
-        <p:cTn xmlns:p14="http://schemas.microsoft.com/office/powerpoint/2010/main" id="1" dur="indefinite" restart="never" nodeType="tmRoot">
+        <p:cTn id="1" dur="indefinite" restart="never" nodeType="tmRoot">
           <p:childTnLst>
             <p:seq concurrent="1" nextAc="seek">
               <p:cTn id="2" dur="indefinite" nodeType="mainSeq">
@@ -30235,13 +30453,13 @@
   <p:clrMapOvr>
     <a:masterClrMapping/>
   </p:clrMapOvr>
-  <p:transition xmlns:p14="http://schemas.microsoft.com/office/powerpoint/2010/main" spd="med">
+  <p:transition spd="med">
     <p:fade/>
   </p:transition>
   <p:timing>
     <p:tnLst>
       <p:par>
-        <p:cTn xmlns:p14="http://schemas.microsoft.com/office/powerpoint/2010/main" id="1" dur="indefinite" restart="never" nodeType="tmRoot">
+        <p:cTn id="1" dur="indefinite" restart="never" nodeType="tmRoot">
           <p:childTnLst>
             <p:seq concurrent="1" nextAc="seek">
               <p:cTn id="2" dur="indefinite" nodeType="mainSeq">
@@ -30417,13 +30635,13 @@
   <p:clrMapOvr>
     <a:masterClrMapping/>
   </p:clrMapOvr>
-  <p:transition xmlns:p14="http://schemas.microsoft.com/office/powerpoint/2010/main" spd="med">
+  <p:transition spd="med">
     <p:fade/>
   </p:transition>
   <p:timing>
     <p:tnLst>
       <p:par>
-        <p:cTn xmlns:p14="http://schemas.microsoft.com/office/powerpoint/2010/main" id="1" dur="indefinite" restart="never" nodeType="tmRoot"/>
+        <p:cTn id="1" dur="indefinite" restart="never" nodeType="tmRoot"/>
       </p:par>
     </p:tnLst>
   </p:timing>
@@ -30851,13 +31069,13 @@
   <p:clrMapOvr>
     <a:masterClrMapping/>
   </p:clrMapOvr>
-  <p:transition xmlns:p14="http://schemas.microsoft.com/office/powerpoint/2010/main" spd="med">
+  <p:transition spd="med">
     <p:fade/>
   </p:transition>
   <p:timing>
     <p:tnLst>
       <p:par>
-        <p:cTn xmlns:p14="http://schemas.microsoft.com/office/powerpoint/2010/main" id="1" dur="indefinite" restart="never" nodeType="tmRoot">
+        <p:cTn id="1" dur="indefinite" restart="never" nodeType="tmRoot">
           <p:childTnLst>
             <p:seq concurrent="1" nextAc="seek">
               <p:cTn id="2" dur="indefinite" nodeType="mainSeq">
@@ -31399,13 +31617,13 @@
   <p:clrMapOvr>
     <a:masterClrMapping/>
   </p:clrMapOvr>
-  <p:transition xmlns:p14="http://schemas.microsoft.com/office/powerpoint/2010/main" spd="med">
+  <p:transition spd="med">
     <p:fade/>
   </p:transition>
   <p:timing>
     <p:tnLst>
       <p:par>
-        <p:cTn xmlns:p14="http://schemas.microsoft.com/office/powerpoint/2010/main" id="1" dur="indefinite" restart="never" nodeType="tmRoot">
+        <p:cTn id="1" dur="indefinite" restart="never" nodeType="tmRoot">
           <p:childTnLst>
             <p:seq concurrent="1" nextAc="seek">
               <p:cTn id="2" dur="indefinite" nodeType="mainSeq">
@@ -31636,13 +31854,13 @@
   <p:clrMapOvr>
     <a:masterClrMapping/>
   </p:clrMapOvr>
-  <p:transition xmlns:p14="http://schemas.microsoft.com/office/powerpoint/2010/main" spd="med">
+  <p:transition spd="med">
     <p:fade/>
   </p:transition>
   <p:timing>
     <p:tnLst>
       <p:par>
-        <p:cTn xmlns:p14="http://schemas.microsoft.com/office/powerpoint/2010/main" id="1" dur="indefinite" restart="never" nodeType="tmRoot">
+        <p:cTn id="1" dur="indefinite" restart="never" nodeType="tmRoot">
           <p:childTnLst>
             <p:seq concurrent="1" nextAc="seek">
               <p:cTn id="2" dur="indefinite" nodeType="mainSeq">
@@ -32263,13 +32481,13 @@
   <p:clrMapOvr>
     <a:masterClrMapping/>
   </p:clrMapOvr>
-  <p:transition xmlns:p14="http://schemas.microsoft.com/office/powerpoint/2010/main" spd="med">
+  <p:transition spd="med">
     <p:fade/>
   </p:transition>
   <p:timing>
     <p:tnLst>
       <p:par>
-        <p:cTn xmlns:p14="http://schemas.microsoft.com/office/powerpoint/2010/main" id="1" dur="indefinite" restart="never" nodeType="tmRoot"/>
+        <p:cTn id="1" dur="indefinite" restart="never" nodeType="tmRoot"/>
       </p:par>
     </p:tnLst>
   </p:timing>
@@ -32325,13 +32543,13 @@
             <p:ph idx="4294967295"/>
             <p:extLst>
               <p:ext uri="{D42A27DB-BD31-4B8C-83A1-F6EECF244321}">
-                <p14:modId xmlns:p14="http://schemas.microsoft.com/office/powerpoint/2010/main" val="3158227876"/>
+                <p14:modId xmlns:p14="http://schemas.microsoft.com/office/powerpoint/2010/main" val="2046876108"/>
               </p:ext>
             </p:extLst>
           </p:nvPr>
         </p:nvGraphicFramePr>
         <p:xfrm>
-          <a:off x="1038225" y="1295400"/>
+          <a:off x="609600" y="1295400"/>
           <a:ext cx="8105775" cy="4900613"/>
         </p:xfrm>
         <a:graphic>
@@ -32345,13 +32563,13 @@
   <p:clrMapOvr>
     <a:masterClrMapping/>
   </p:clrMapOvr>
-  <p:transition xmlns:p14="http://schemas.microsoft.com/office/powerpoint/2010/main" spd="med">
+  <p:transition spd="med">
     <p:fade/>
   </p:transition>
   <p:timing>
     <p:tnLst>
       <p:par>
-        <p:cTn xmlns:p14="http://schemas.microsoft.com/office/powerpoint/2010/main" id="1" dur="indefinite" restart="never" nodeType="tmRoot"/>
+        <p:cTn id="1" dur="indefinite" restart="never" nodeType="tmRoot"/>
       </p:par>
     </p:tnLst>
   </p:timing>
@@ -32472,13 +32690,13 @@
   <p:clrMapOvr>
     <a:masterClrMapping/>
   </p:clrMapOvr>
-  <p:transition xmlns:p14="http://schemas.microsoft.com/office/powerpoint/2010/main" spd="med">
+  <p:transition spd="med">
     <p:fade/>
   </p:transition>
   <p:timing>
     <p:tnLst>
       <p:par>
-        <p:cTn xmlns:p14="http://schemas.microsoft.com/office/powerpoint/2010/main" id="1" dur="indefinite" restart="never" nodeType="tmRoot"/>
+        <p:cTn id="1" dur="indefinite" restart="never" nodeType="tmRoot"/>
       </p:par>
     </p:tnLst>
   </p:timing>
@@ -32588,13 +32806,13 @@
   <p:clrMapOvr>
     <a:masterClrMapping/>
   </p:clrMapOvr>
-  <p:transition xmlns:p14="http://schemas.microsoft.com/office/powerpoint/2010/main" spd="med">
+  <p:transition spd="med">
     <p:fade/>
   </p:transition>
   <p:timing>
     <p:tnLst>
       <p:par>
-        <p:cTn xmlns:p14="http://schemas.microsoft.com/office/powerpoint/2010/main" id="1" dur="indefinite" restart="never" nodeType="tmRoot">
+        <p:cTn id="1" dur="indefinite" restart="never" nodeType="tmRoot">
           <p:childTnLst>
             <p:seq concurrent="1" nextAc="seek">
               <p:cTn id="2" dur="indefinite" nodeType="mainSeq">
@@ -33658,13 +33876,13 @@
   <p:clrMapOvr>
     <a:masterClrMapping/>
   </p:clrMapOvr>
-  <p:transition xmlns:p14="http://schemas.microsoft.com/office/powerpoint/2010/main" spd="med">
+  <p:transition spd="med">
     <p:fade/>
   </p:transition>
   <p:timing>
     <p:tnLst>
       <p:par>
-        <p:cTn xmlns:p14="http://schemas.microsoft.com/office/powerpoint/2010/main" id="1" dur="indefinite" restart="never" nodeType="tmRoot">
+        <p:cTn id="1" dur="indefinite" restart="never" nodeType="tmRoot">
           <p:childTnLst>
             <p:seq concurrent="1" nextAc="seek">
               <p:cTn id="2" dur="indefinite" nodeType="mainSeq">
@@ -34422,13 +34640,13 @@
   <p:clrMapOvr>
     <a:masterClrMapping/>
   </p:clrMapOvr>
-  <p:transition xmlns:p14="http://schemas.microsoft.com/office/powerpoint/2010/main" spd="med">
+  <p:transition spd="med">
     <p:fade/>
   </p:transition>
   <p:timing>
     <p:tnLst>
       <p:par>
-        <p:cTn xmlns:p14="http://schemas.microsoft.com/office/powerpoint/2010/main" id="1" dur="indefinite" restart="never" nodeType="tmRoot"/>
+        <p:cTn id="1" dur="indefinite" restart="never" nodeType="tmRoot"/>
       </p:par>
     </p:tnLst>
   </p:timing>
@@ -34520,13 +34738,13 @@
   <p:clrMapOvr>
     <a:masterClrMapping/>
   </p:clrMapOvr>
-  <p:transition xmlns:p14="http://schemas.microsoft.com/office/powerpoint/2010/main" spd="med">
+  <p:transition spd="med">
     <p:fade/>
   </p:transition>
   <p:timing>
     <p:tnLst>
       <p:par>
-        <p:cTn xmlns:p14="http://schemas.microsoft.com/office/powerpoint/2010/main" id="1" dur="indefinite" restart="never" nodeType="tmRoot">
+        <p:cTn id="1" dur="indefinite" restart="never" nodeType="tmRoot">
           <p:childTnLst>
             <p:seq concurrent="1" nextAc="seek">
               <p:cTn id="2" dur="indefinite" nodeType="mainSeq">
@@ -35384,13 +35602,13 @@
   <p:clrMapOvr>
     <a:masterClrMapping/>
   </p:clrMapOvr>
-  <p:transition xmlns:p14="http://schemas.microsoft.com/office/powerpoint/2010/main" spd="med">
+  <p:transition spd="med">
     <p:fade/>
   </p:transition>
   <p:timing>
     <p:tnLst>
       <p:par>
-        <p:cTn xmlns:p14="http://schemas.microsoft.com/office/powerpoint/2010/main" id="1" dur="indefinite" restart="never" nodeType="tmRoot"/>
+        <p:cTn id="1" dur="indefinite" restart="never" nodeType="tmRoot"/>
       </p:par>
     </p:tnLst>
   </p:timing>
@@ -35556,13 +35774,13 @@
   <p:clrMapOvr>
     <a:masterClrMapping/>
   </p:clrMapOvr>
-  <p:transition xmlns:p14="http://schemas.microsoft.com/office/powerpoint/2010/main" spd="med">
+  <p:transition spd="med">
     <p:fade/>
   </p:transition>
   <p:timing>
     <p:tnLst>
       <p:par>
-        <p:cTn xmlns:p14="http://schemas.microsoft.com/office/powerpoint/2010/main" id="1" dur="indefinite" restart="never" nodeType="tmRoot"/>
+        <p:cTn id="1" dur="indefinite" restart="never" nodeType="tmRoot"/>
       </p:par>
     </p:tnLst>
   </p:timing>
@@ -35674,13 +35892,13 @@
   <p:clrMapOvr>
     <a:masterClrMapping/>
   </p:clrMapOvr>
-  <p:transition xmlns:p14="http://schemas.microsoft.com/office/powerpoint/2010/main" spd="med">
+  <p:transition spd="med">
     <p:fade/>
   </p:transition>
   <p:timing>
     <p:tnLst>
       <p:par>
-        <p:cTn xmlns:p14="http://schemas.microsoft.com/office/powerpoint/2010/main" id="1" dur="indefinite" restart="never" nodeType="tmRoot"/>
+        <p:cTn id="1" dur="indefinite" restart="never" nodeType="tmRoot"/>
       </p:par>
     </p:tnLst>
   </p:timing>
@@ -35829,7 +36047,7 @@
   <p:timing>
     <p:tnLst>
       <p:par>
-        <p:cTn xmlns:p14="http://schemas.microsoft.com/office/powerpoint/2010/main" id="1" dur="indefinite" restart="never" nodeType="tmRoot"/>
+        <p:cTn id="1" dur="indefinite" restart="never" nodeType="tmRoot"/>
       </p:par>
     </p:tnLst>
   </p:timing>
@@ -35985,13 +36203,13 @@
   <p:clrMapOvr>
     <a:masterClrMapping/>
   </p:clrMapOvr>
-  <p:transition xmlns:p14="http://schemas.microsoft.com/office/powerpoint/2010/main" spd="med">
+  <p:transition spd="med">
     <p:fade/>
   </p:transition>
   <p:timing>
     <p:tnLst>
       <p:par>
-        <p:cTn xmlns:p14="http://schemas.microsoft.com/office/powerpoint/2010/main" id="1" dur="indefinite" restart="never" nodeType="tmRoot"/>
+        <p:cTn id="1" dur="indefinite" restart="never" nodeType="tmRoot"/>
       </p:par>
     </p:tnLst>
   </p:timing>
@@ -36043,11 +36261,11 @@
   <p:clrMapOvr>
     <a:masterClrMapping/>
   </p:clrMapOvr>
-  <p:transition xmlns:p14="http://schemas.microsoft.com/office/powerpoint/2010/main"/>
+  <p:transition/>
   <p:timing>
     <p:tnLst>
       <p:par>
-        <p:cTn xmlns:p14="http://schemas.microsoft.com/office/powerpoint/2010/main" id="1" dur="indefinite" restart="never" nodeType="tmRoot"/>
+        <p:cTn id="1" dur="indefinite" restart="never" nodeType="tmRoot"/>
       </p:par>
     </p:tnLst>
   </p:timing>
@@ -36329,13 +36547,13 @@
   <p:clrMapOvr>
     <a:masterClrMapping/>
   </p:clrMapOvr>
-  <p:transition xmlns:p14="http://schemas.microsoft.com/office/powerpoint/2010/main" spd="med">
+  <p:transition spd="med">
     <p:fade/>
   </p:transition>
   <p:timing>
     <p:tnLst>
       <p:par>
-        <p:cTn xmlns:p14="http://schemas.microsoft.com/office/powerpoint/2010/main" id="1" dur="indefinite" restart="never" nodeType="tmRoot"/>
+        <p:cTn id="1" dur="indefinite" restart="never" nodeType="tmRoot"/>
       </p:par>
     </p:tnLst>
   </p:timing>
@@ -36440,13 +36658,13 @@
   <p:clrMapOvr>
     <a:masterClrMapping/>
   </p:clrMapOvr>
-  <p:transition xmlns:p14="http://schemas.microsoft.com/office/powerpoint/2010/main" spd="med">
+  <p:transition spd="med">
     <p:fade/>
   </p:transition>
   <p:timing>
     <p:tnLst>
       <p:par>
-        <p:cTn xmlns:p14="http://schemas.microsoft.com/office/powerpoint/2010/main" id="1" dur="indefinite" restart="never" nodeType="tmRoot">
+        <p:cTn id="1" dur="indefinite" restart="never" nodeType="tmRoot">
           <p:childTnLst>
             <p:seq concurrent="1" nextAc="seek">
               <p:cTn id="2" dur="indefinite" nodeType="mainSeq">
@@ -38512,13 +38730,13 @@
   <p:clrMapOvr>
     <a:masterClrMapping/>
   </p:clrMapOvr>
-  <p:transition xmlns:p14="http://schemas.microsoft.com/office/powerpoint/2010/main" spd="med">
+  <p:transition spd="med">
     <p:fade/>
   </p:transition>
   <p:timing>
     <p:tnLst>
       <p:par>
-        <p:cTn xmlns:p14="http://schemas.microsoft.com/office/powerpoint/2010/main" id="1" dur="indefinite" restart="never" nodeType="tmRoot"/>
+        <p:cTn id="1" dur="indefinite" restart="never" nodeType="tmRoot"/>
       </p:par>
     </p:tnLst>
   </p:timing>
@@ -38610,13 +38828,13 @@
   <p:clrMapOvr>
     <a:masterClrMapping/>
   </p:clrMapOvr>
-  <p:transition xmlns:p14="http://schemas.microsoft.com/office/powerpoint/2010/main" spd="med">
+  <p:transition spd="med">
     <p:fade/>
   </p:transition>
   <p:timing>
     <p:tnLst>
       <p:par>
-        <p:cTn xmlns:p14="http://schemas.microsoft.com/office/powerpoint/2010/main" id="1" dur="indefinite" restart="never" nodeType="tmRoot"/>
+        <p:cTn id="1" dur="indefinite" restart="never" nodeType="tmRoot"/>
       </p:par>
     </p:tnLst>
   </p:timing>
@@ -38690,13 +38908,13 @@
   <p:clrMapOvr>
     <a:masterClrMapping/>
   </p:clrMapOvr>
-  <p:transition xmlns:p14="http://schemas.microsoft.com/office/powerpoint/2010/main" spd="med">
+  <p:transition spd="med">
     <p:fade/>
   </p:transition>
   <p:timing>
     <p:tnLst>
       <p:par>
-        <p:cTn xmlns:p14="http://schemas.microsoft.com/office/powerpoint/2010/main" id="1" dur="indefinite" restart="never" nodeType="tmRoot"/>
+        <p:cTn id="1" dur="indefinite" restart="never" nodeType="tmRoot"/>
       </p:par>
     </p:tnLst>
   </p:timing>
@@ -38757,13 +38975,13 @@
   <p:clrMapOvr>
     <a:masterClrMapping/>
   </p:clrMapOvr>
-  <p:transition xmlns:p14="http://schemas.microsoft.com/office/powerpoint/2010/main" spd="med">
+  <p:transition spd="med">
     <p:fade/>
   </p:transition>
   <p:timing>
     <p:tnLst>
       <p:par>
-        <p:cTn xmlns:p14="http://schemas.microsoft.com/office/powerpoint/2010/main" id="1" dur="indefinite" restart="never" nodeType="tmRoot"/>
+        <p:cTn id="1" dur="indefinite" restart="never" nodeType="tmRoot"/>
       </p:par>
     </p:tnLst>
   </p:timing>
@@ -40811,13 +41029,13 @@
   <p:clrMapOvr>
     <a:masterClrMapping/>
   </p:clrMapOvr>
-  <p:transition xmlns:p14="http://schemas.microsoft.com/office/powerpoint/2010/main" spd="med">
+  <p:transition spd="med">
     <p:fade/>
   </p:transition>
   <p:timing>
     <p:tnLst>
       <p:par>
-        <p:cTn xmlns:p14="http://schemas.microsoft.com/office/powerpoint/2010/main" id="1" dur="indefinite" restart="never" nodeType="tmRoot"/>
+        <p:cTn id="1" dur="indefinite" restart="never" nodeType="tmRoot"/>
       </p:par>
     </p:tnLst>
   </p:timing>
@@ -40909,13 +41127,13 @@
   <p:clrMapOvr>
     <a:masterClrMapping/>
   </p:clrMapOvr>
-  <p:transition xmlns:p14="http://schemas.microsoft.com/office/powerpoint/2010/main" spd="med">
+  <p:transition spd="med">
     <p:fade/>
   </p:transition>
   <p:timing>
     <p:tnLst>
       <p:par>
-        <p:cTn xmlns:p14="http://schemas.microsoft.com/office/powerpoint/2010/main" id="1" dur="indefinite" restart="never" nodeType="tmRoot"/>
+        <p:cTn id="1" dur="indefinite" restart="never" nodeType="tmRoot"/>
       </p:par>
     </p:tnLst>
   </p:timing>
@@ -42503,13 +42721,13 @@
   <p:clrMapOvr>
     <a:masterClrMapping/>
   </p:clrMapOvr>
-  <p:transition xmlns:p14="http://schemas.microsoft.com/office/powerpoint/2010/main">
+  <p:transition>
     <p:fade/>
   </p:transition>
   <p:timing>
     <p:tnLst>
       <p:par>
-        <p:cTn xmlns:p14="http://schemas.microsoft.com/office/powerpoint/2010/main" id="1" dur="indefinite" restart="never" nodeType="tmRoot"/>
+        <p:cTn id="1" dur="indefinite" restart="never" nodeType="tmRoot"/>
       </p:par>
     </p:tnLst>
   </p:timing>
@@ -42570,13 +42788,13 @@
   <p:clrMapOvr>
     <a:masterClrMapping/>
   </p:clrMapOvr>
-  <p:transition xmlns:p14="http://schemas.microsoft.com/office/powerpoint/2010/main" spd="med">
+  <p:transition spd="med">
     <p:fade/>
   </p:transition>
   <p:timing>
     <p:tnLst>
       <p:par>
-        <p:cTn xmlns:p14="http://schemas.microsoft.com/office/powerpoint/2010/main" id="1" dur="indefinite" restart="never" nodeType="tmRoot"/>
+        <p:cTn id="1" dur="indefinite" restart="never" nodeType="tmRoot"/>
       </p:par>
     </p:tnLst>
   </p:timing>
@@ -42663,13 +42881,13 @@
   <p:clrMapOvr>
     <a:masterClrMapping/>
   </p:clrMapOvr>
-  <p:transition xmlns:p14="http://schemas.microsoft.com/office/powerpoint/2010/main" spd="med">
+  <p:transition spd="med">
     <p:fade/>
   </p:transition>
   <p:timing>
     <p:tnLst>
       <p:par>
-        <p:cTn xmlns:p14="http://schemas.microsoft.com/office/powerpoint/2010/main" id="1" dur="indefinite" restart="never" nodeType="tmRoot"/>
+        <p:cTn id="1" dur="indefinite" restart="never" nodeType="tmRoot"/>
       </p:par>
     </p:tnLst>
   </p:timing>
@@ -42835,13 +43053,13 @@
   <p:clrMapOvr>
     <a:masterClrMapping/>
   </p:clrMapOvr>
-  <p:transition xmlns:p14="http://schemas.microsoft.com/office/powerpoint/2010/main" spd="med">
+  <p:transition spd="med">
     <p:fade/>
   </p:transition>
   <p:timing>
     <p:tnLst>
       <p:par>
-        <p:cTn xmlns:p14="http://schemas.microsoft.com/office/powerpoint/2010/main" id="1" dur="indefinite" restart="never" nodeType="tmRoot"/>
+        <p:cTn id="1" dur="indefinite" restart="never" nodeType="tmRoot"/>
       </p:par>
     </p:tnLst>
   </p:timing>
@@ -43015,13 +43233,13 @@
   <p:clrMapOvr>
     <a:masterClrMapping/>
   </p:clrMapOvr>
-  <p:transition xmlns:p14="http://schemas.microsoft.com/office/powerpoint/2010/main" spd="med">
+  <p:transition spd="med">
     <p:fade/>
   </p:transition>
   <p:timing>
     <p:tnLst>
       <p:par>
-        <p:cTn xmlns:p14="http://schemas.microsoft.com/office/powerpoint/2010/main" id="1" dur="indefinite" restart="never" nodeType="tmRoot"/>
+        <p:cTn id="1" dur="indefinite" restart="never" nodeType="tmRoot"/>
       </p:par>
     </p:tnLst>
   </p:timing>
@@ -43179,13 +43397,13 @@
   <p:clrMapOvr>
     <a:masterClrMapping/>
   </p:clrMapOvr>
-  <p:transition xmlns:p14="http://schemas.microsoft.com/office/powerpoint/2010/main" spd="med">
+  <p:transition spd="med">
     <p:fade/>
   </p:transition>
   <p:timing>
     <p:tnLst>
       <p:par>
-        <p:cTn xmlns:p14="http://schemas.microsoft.com/office/powerpoint/2010/main" id="1" dur="indefinite" restart="never" nodeType="tmRoot"/>
+        <p:cTn id="1" dur="indefinite" restart="never" nodeType="tmRoot"/>
       </p:par>
     </p:tnLst>
   </p:timing>
@@ -43285,13 +43503,13 @@
   <p:clrMapOvr>
     <a:masterClrMapping/>
   </p:clrMapOvr>
-  <p:transition xmlns:p14="http://schemas.microsoft.com/office/powerpoint/2010/main" spd="med">
+  <p:transition spd="med">
     <p:fade/>
   </p:transition>
   <p:timing>
     <p:tnLst>
       <p:par>
-        <p:cTn xmlns:p14="http://schemas.microsoft.com/office/powerpoint/2010/main" id="1" dur="indefinite" restart="never" nodeType="tmRoot"/>
+        <p:cTn id="1" dur="indefinite" restart="never" nodeType="tmRoot"/>
       </p:par>
     </p:tnLst>
   </p:timing>
@@ -44090,13 +44308,13 @@
   <p:clrMapOvr>
     <a:masterClrMapping/>
   </p:clrMapOvr>
-  <p:transition xmlns:p14="http://schemas.microsoft.com/office/powerpoint/2010/main" spd="med">
+  <p:transition spd="med">
     <p:fade/>
   </p:transition>
   <p:timing>
     <p:tnLst>
       <p:par>
-        <p:cTn xmlns:p14="http://schemas.microsoft.com/office/powerpoint/2010/main" id="1" dur="indefinite" restart="never" nodeType="tmRoot"/>
+        <p:cTn id="1" dur="indefinite" restart="never" nodeType="tmRoot"/>
       </p:par>
     </p:tnLst>
   </p:timing>
@@ -44148,11 +44366,11 @@
   <p:clrMapOvr>
     <a:masterClrMapping/>
   </p:clrMapOvr>
-  <p:transition xmlns:p14="http://schemas.microsoft.com/office/powerpoint/2010/main"/>
+  <p:transition/>
   <p:timing>
     <p:tnLst>
       <p:par>
-        <p:cTn xmlns:p14="http://schemas.microsoft.com/office/powerpoint/2010/main" id="1" dur="indefinite" restart="never" nodeType="tmRoot"/>
+        <p:cTn id="1" dur="indefinite" restart="never" nodeType="tmRoot"/>
       </p:par>
     </p:tnLst>
   </p:timing>
@@ -44209,11 +44427,11 @@
   <p:clrMapOvr>
     <a:masterClrMapping/>
   </p:clrMapOvr>
-  <p:transition xmlns:p14="http://schemas.microsoft.com/office/powerpoint/2010/main"/>
+  <p:transition/>
   <p:timing>
     <p:tnLst>
       <p:par>
-        <p:cTn xmlns:p14="http://schemas.microsoft.com/office/powerpoint/2010/main" id="1" dur="indefinite" restart="never" nodeType="tmRoot"/>
+        <p:cTn id="1" dur="indefinite" restart="never" nodeType="tmRoot"/>
       </p:par>
     </p:tnLst>
   </p:timing>
@@ -44337,13 +44555,13 @@
   <p:clrMapOvr>
     <a:masterClrMapping/>
   </p:clrMapOvr>
-  <p:transition xmlns:p14="http://schemas.microsoft.com/office/powerpoint/2010/main" spd="med">
+  <p:transition spd="med">
     <p:fade/>
   </p:transition>
   <p:timing>
     <p:tnLst>
       <p:par>
-        <p:cTn xmlns:p14="http://schemas.microsoft.com/office/powerpoint/2010/main" id="1" dur="indefinite" restart="never" nodeType="tmRoot"/>
+        <p:cTn id="1" dur="indefinite" restart="never" nodeType="tmRoot"/>
       </p:par>
     </p:tnLst>
   </p:timing>
@@ -44423,7 +44641,7 @@
           <a:graphicData uri="http://schemas.openxmlformats.org/presentationml/2006/ole">
             <mc:AlternateContent xmlns:mc="http://schemas.openxmlformats.org/markup-compatibility/2006">
               <mc:Choice xmlns:v="urn:schemas-microsoft-com:vml" Requires="v">
-                <p:oleObj spid="_x0000_s1061" name="Photo Editor Photo" r:id="rId5" imgW="4590476" imgH="3438095" progId="">
+                <p:oleObj spid="_x0000_s1063" name="Photo Editor Photo" r:id="rId5" imgW="4590476" imgH="3438095" progId="">
                   <p:embed/>
                 </p:oleObj>
               </mc:Choice>
@@ -44462,7 +44680,7 @@
                       <a:noFill/>
                       <a:extLst>
                         <a:ext uri="{909E8E84-426E-40dd-AFC4-6F175D3DCCD1}">
-                          <a14:hiddenFill xmlns:a14="http://schemas.microsoft.com/office/drawing/2010/main">
+                          <a14:hiddenFill xmlns:a14="http://schemas.microsoft.com/office/drawing/2010/main" xmlns="">
                             <a:solidFill>
                               <a:srgbClr val="FFFFFF"/>
                             </a:solidFill>
@@ -44596,13 +44814,13 @@
   <p:clrMapOvr>
     <a:masterClrMapping/>
   </p:clrMapOvr>
-  <p:transition xmlns:p14="http://schemas.microsoft.com/office/powerpoint/2010/main" spd="med">
+  <p:transition spd="med">
     <p:fade/>
   </p:transition>
   <p:timing>
     <p:tnLst>
       <p:par>
-        <p:cTn xmlns:p14="http://schemas.microsoft.com/office/powerpoint/2010/main" id="1" dur="indefinite" restart="never" nodeType="tmRoot">
+        <p:cTn id="1" dur="indefinite" restart="never" nodeType="tmRoot">
           <p:childTnLst>
             <p:seq concurrent="1" nextAc="seek">
               <p:cTn id="2" dur="indefinite" nodeType="mainSeq">
@@ -46634,13 +46852,13 @@
   <p:clrMapOvr>
     <a:masterClrMapping/>
   </p:clrMapOvr>
-  <p:transition xmlns:p14="http://schemas.microsoft.com/office/powerpoint/2010/main">
+  <p:transition>
     <p:fade/>
   </p:transition>
   <p:timing>
     <p:tnLst>
       <p:par>
-        <p:cTn xmlns:p14="http://schemas.microsoft.com/office/powerpoint/2010/main" id="1" dur="indefinite" restart="never" nodeType="tmRoot"/>
+        <p:cTn id="1" dur="indefinite" restart="never" nodeType="tmRoot"/>
       </p:par>
     </p:tnLst>
   </p:timing>
@@ -47694,7 +47912,7 @@
         </p:nvGraphicFramePr>
         <p:xfrm>
           <a:off x="2786050" y="2500306"/>
-          <a:ext cx="2143140" cy="3543319"/>
+          <a:ext cx="2143140" cy="3543320"/>
         </p:xfrm>
         <a:graphic>
           <a:graphicData uri="http://schemas.openxmlformats.org/drawingml/2006/table">
@@ -48105,13 +48323,13 @@
   <p:clrMapOvr>
     <a:masterClrMapping/>
   </p:clrMapOvr>
-  <p:transition xmlns:p14="http://schemas.microsoft.com/office/powerpoint/2010/main">
+  <p:transition>
     <p:fade/>
   </p:transition>
   <p:timing>
     <p:tnLst>
       <p:par>
-        <p:cTn xmlns:p14="http://schemas.microsoft.com/office/powerpoint/2010/main" id="1" dur="indefinite" restart="never" nodeType="tmRoot"/>
+        <p:cTn id="1" dur="indefinite" restart="never" nodeType="tmRoot"/>
       </p:par>
     </p:tnLst>
   </p:timing>
